--- a/powerpoint/UNIQ+Day3_students.pptx
+++ b/powerpoint/UNIQ+Day3_students.pptx
@@ -10,6 +10,7 @@
     <p:sldId id="290" r:id="rId4"/>
     <p:sldId id="286" r:id="rId5"/>
     <p:sldId id="285" r:id="rId6"/>
+    <p:sldId id="291" r:id="rId7"/>
   </p:sldIdLst>
   <p:sldSz cx="12192000" cy="6858000"/>
   <p:notesSz cx="6858000" cy="9144000"/>
@@ -7388,6 +7389,294 @@
           <a:p>
             <a:r>
               <a:rPr lang="en-US" dirty="0"/>
+              <a:t>Datasets for project</a:t>
+            </a:r>
+          </a:p>
+        </p:txBody>
+      </p:sp>
+      <p:sp>
+        <p:nvSpPr>
+          <p:cNvPr id="3" name="Content Placeholder 2">
+            <a:extLst>
+              <a:ext uri="{FF2B5EF4-FFF2-40B4-BE49-F238E27FC236}">
+                <a16:creationId xmlns:a16="http://schemas.microsoft.com/office/drawing/2014/main" id="{C1C9784C-C3D7-D44E-4617-D71B0680E490}"/>
+              </a:ext>
+            </a:extLst>
+          </p:cNvPr>
+          <p:cNvSpPr>
+            <a:spLocks noGrp="1"/>
+          </p:cNvSpPr>
+          <p:nvPr>
+            <p:ph idx="1"/>
+          </p:nvPr>
+        </p:nvSpPr>
+        <p:spPr/>
+        <p:txBody>
+          <a:bodyPr>
+            <a:normAutofit fontScale="77500" lnSpcReduction="20000"/>
+          </a:bodyPr>
+          <a:lstStyle/>
+          <a:p>
+            <a:r>
+              <a:rPr lang="en-US" dirty="0">
+                <a:highlight>
+                  <a:srgbClr val="00FF00"/>
+                </a:highlight>
+                <a:latin typeface="Calibri" panose="020F0502020204030204" pitchFamily="34" charset="0"/>
+                <a:cs typeface="Calibri" panose="020F0502020204030204" pitchFamily="34" charset="0"/>
+              </a:rPr>
+              <a:t>Best songs on Spotify (</a:t>
+            </a:r>
+            <a:r>
+              <a:rPr lang="en-US" dirty="0" err="1">
+                <a:highlight>
+                  <a:srgbClr val="00FF00"/>
+                </a:highlight>
+                <a:latin typeface="Calibri" panose="020F0502020204030204" pitchFamily="34" charset="0"/>
+                <a:cs typeface="Calibri" panose="020F0502020204030204" pitchFamily="34" charset="0"/>
+              </a:rPr>
+              <a:t>headstart</a:t>
+            </a:r>
+            <a:r>
+              <a:rPr lang="en-US" dirty="0">
+                <a:highlight>
+                  <a:srgbClr val="00FF00"/>
+                </a:highlight>
+                <a:latin typeface="Calibri" panose="020F0502020204030204" pitchFamily="34" charset="0"/>
+                <a:cs typeface="Calibri" panose="020F0502020204030204" pitchFamily="34" charset="0"/>
+              </a:rPr>
+              <a:t>)</a:t>
+            </a:r>
+          </a:p>
+          <a:p>
+            <a:r>
+              <a:rPr lang="en-US" dirty="0">
+                <a:highlight>
+                  <a:srgbClr val="00FF00"/>
+                </a:highlight>
+                <a:latin typeface="Calibri" panose="020F0502020204030204" pitchFamily="34" charset="0"/>
+                <a:cs typeface="Calibri" panose="020F0502020204030204" pitchFamily="34" charset="0"/>
+              </a:rPr>
+              <a:t>Student mental health (</a:t>
+            </a:r>
+            <a:r>
+              <a:rPr lang="en-US" dirty="0" err="1">
+                <a:highlight>
+                  <a:srgbClr val="00FF00"/>
+                </a:highlight>
+                <a:latin typeface="Calibri" panose="020F0502020204030204" pitchFamily="34" charset="0"/>
+                <a:cs typeface="Calibri" panose="020F0502020204030204" pitchFamily="34" charset="0"/>
+              </a:rPr>
+              <a:t>headstart</a:t>
+            </a:r>
+            <a:r>
+              <a:rPr lang="en-US" dirty="0">
+                <a:highlight>
+                  <a:srgbClr val="00FF00"/>
+                </a:highlight>
+                <a:latin typeface="Calibri" panose="020F0502020204030204" pitchFamily="34" charset="0"/>
+                <a:cs typeface="Calibri" panose="020F0502020204030204" pitchFamily="34" charset="0"/>
+              </a:rPr>
+              <a:t>)</a:t>
+            </a:r>
+          </a:p>
+          <a:p>
+            <a:r>
+              <a:rPr lang="en-US" dirty="0">
+                <a:highlight>
+                  <a:srgbClr val="00FF00"/>
+                </a:highlight>
+                <a:latin typeface="Calibri" panose="020F0502020204030204" pitchFamily="34" charset="0"/>
+                <a:cs typeface="Calibri" panose="020F0502020204030204" pitchFamily="34" charset="0"/>
+              </a:rPr>
+              <a:t>Diabetes (</a:t>
+            </a:r>
+            <a:r>
+              <a:rPr lang="en-US" dirty="0" err="1">
+                <a:highlight>
+                  <a:srgbClr val="00FF00"/>
+                </a:highlight>
+                <a:latin typeface="Calibri" panose="020F0502020204030204" pitchFamily="34" charset="0"/>
+                <a:cs typeface="Calibri" panose="020F0502020204030204" pitchFamily="34" charset="0"/>
+              </a:rPr>
+              <a:t>headstart</a:t>
+            </a:r>
+            <a:r>
+              <a:rPr lang="en-US" dirty="0">
+                <a:highlight>
+                  <a:srgbClr val="00FF00"/>
+                </a:highlight>
+                <a:latin typeface="Calibri" panose="020F0502020204030204" pitchFamily="34" charset="0"/>
+                <a:cs typeface="Calibri" panose="020F0502020204030204" pitchFamily="34" charset="0"/>
+              </a:rPr>
+              <a:t>)</a:t>
+            </a:r>
+          </a:p>
+          <a:p>
+            <a:endParaRPr lang="en-US" dirty="0">
+              <a:latin typeface="Calibri" panose="020F0502020204030204" pitchFamily="34" charset="0"/>
+              <a:cs typeface="Calibri" panose="020F0502020204030204" pitchFamily="34" charset="0"/>
+            </a:endParaRPr>
+          </a:p>
+          <a:p>
+            <a:r>
+              <a:rPr lang="en-US" dirty="0">
+                <a:highlight>
+                  <a:srgbClr val="00FFFF"/>
+                </a:highlight>
+                <a:latin typeface="Calibri" panose="020F0502020204030204" pitchFamily="34" charset="0"/>
+                <a:cs typeface="Calibri" panose="020F0502020204030204" pitchFamily="34" charset="0"/>
+              </a:rPr>
+              <a:t>US births</a:t>
+            </a:r>
+          </a:p>
+          <a:p>
+            <a:r>
+              <a:rPr lang="en-US" dirty="0">
+                <a:highlight>
+                  <a:srgbClr val="00FFFF"/>
+                </a:highlight>
+                <a:latin typeface="Calibri" panose="020F0502020204030204" pitchFamily="34" charset="0"/>
+                <a:cs typeface="Calibri" panose="020F0502020204030204" pitchFamily="34" charset="0"/>
+              </a:rPr>
+              <a:t>Glass Door Gender Pay</a:t>
+            </a:r>
+          </a:p>
+          <a:p>
+            <a:r>
+              <a:rPr lang="en-US" dirty="0">
+                <a:highlight>
+                  <a:srgbClr val="00FFFF"/>
+                </a:highlight>
+                <a:latin typeface="Calibri" panose="020F0502020204030204" pitchFamily="34" charset="0"/>
+                <a:cs typeface="Calibri" panose="020F0502020204030204" pitchFamily="34" charset="0"/>
+              </a:rPr>
+              <a:t>WHO Life Expectancy</a:t>
+            </a:r>
+          </a:p>
+          <a:p>
+            <a:endParaRPr lang="en-US" dirty="0">
+              <a:latin typeface="Calibri" panose="020F0502020204030204" pitchFamily="34" charset="0"/>
+              <a:cs typeface="Calibri" panose="020F0502020204030204" pitchFamily="34" charset="0"/>
+            </a:endParaRPr>
+          </a:p>
+          <a:p>
+            <a:r>
+              <a:rPr lang="en-US" dirty="0">
+                <a:highlight>
+                  <a:srgbClr val="FF00FF"/>
+                </a:highlight>
+                <a:latin typeface="Calibri" panose="020F0502020204030204" pitchFamily="34" charset="0"/>
+                <a:cs typeface="Calibri" panose="020F0502020204030204" pitchFamily="34" charset="0"/>
+              </a:rPr>
+              <a:t>UFO sightings (Excel file – either save as .csv in Excel an then load into R, or load the Excel file directly into R using the </a:t>
+            </a:r>
+            <a:r>
+              <a:rPr lang="en-US" dirty="0" err="1">
+                <a:highlight>
+                  <a:srgbClr val="FF00FF"/>
+                </a:highlight>
+                <a:latin typeface="Calibri" panose="020F0502020204030204" pitchFamily="34" charset="0"/>
+                <a:cs typeface="Calibri" panose="020F0502020204030204" pitchFamily="34" charset="0"/>
+              </a:rPr>
+              <a:t>readxl</a:t>
+            </a:r>
+            <a:r>
+              <a:rPr lang="en-US" dirty="0">
+                <a:highlight>
+                  <a:srgbClr val="FF00FF"/>
+                </a:highlight>
+                <a:latin typeface="Calibri" panose="020F0502020204030204" pitchFamily="34" charset="0"/>
+                <a:cs typeface="Calibri" panose="020F0502020204030204" pitchFamily="34" charset="0"/>
+              </a:rPr>
+              <a:t> package)</a:t>
+            </a:r>
+          </a:p>
+          <a:p>
+            <a:r>
+              <a:rPr lang="en-US" dirty="0">
+                <a:highlight>
+                  <a:srgbClr val="FF00FF"/>
+                </a:highlight>
+                <a:latin typeface="Calibri" panose="020F0502020204030204" pitchFamily="34" charset="0"/>
+                <a:cs typeface="Calibri" panose="020F0502020204030204" pitchFamily="34" charset="0"/>
+              </a:rPr>
+              <a:t>Bladder cancer (3 files)</a:t>
+            </a:r>
+          </a:p>
+          <a:p>
+            <a:r>
+              <a:rPr lang="en-US" dirty="0">
+                <a:highlight>
+                  <a:srgbClr val="FF00FF"/>
+                </a:highlight>
+                <a:latin typeface="Calibri" panose="020F0502020204030204" pitchFamily="34" charset="0"/>
+                <a:cs typeface="Calibri" panose="020F0502020204030204" pitchFamily="34" charset="0"/>
+              </a:rPr>
+              <a:t>Fitbit (2 files)</a:t>
+            </a:r>
+          </a:p>
+          <a:p>
+            <a:endParaRPr lang="en-US" dirty="0">
+              <a:latin typeface="Courier New" panose="02070309020205020404" pitchFamily="49" charset="0"/>
+              <a:cs typeface="Courier New" panose="02070309020205020404" pitchFamily="49" charset="0"/>
+            </a:endParaRPr>
+          </a:p>
+        </p:txBody>
+      </p:sp>
+    </p:spTree>
+    <p:extLst>
+      <p:ext uri="{BB962C8B-B14F-4D97-AF65-F5344CB8AC3E}">
+        <p14:creationId xmlns:p14="http://schemas.microsoft.com/office/powerpoint/2010/main" val="4268945086"/>
+      </p:ext>
+    </p:extLst>
+  </p:cSld>
+  <p:clrMapOvr>
+    <a:masterClrMapping/>
+  </p:clrMapOvr>
+</p:sld>
+</file>
+
+<file path=ppt/slides/slide6.xml><?xml version="1.0" encoding="utf-8"?>
+<p:sld xmlns:a="http://schemas.openxmlformats.org/drawingml/2006/main" xmlns:r="http://schemas.openxmlformats.org/officeDocument/2006/relationships" xmlns:p="http://schemas.openxmlformats.org/presentationml/2006/main">
+  <p:cSld>
+    <p:spTree>
+      <p:nvGrpSpPr>
+        <p:cNvPr id="1" name=""/>
+        <p:cNvGrpSpPr/>
+        <p:nvPr/>
+      </p:nvGrpSpPr>
+      <p:grpSpPr>
+        <a:xfrm>
+          <a:off x="0" y="0"/>
+          <a:ext cx="0" cy="0"/>
+          <a:chOff x="0" y="0"/>
+          <a:chExt cx="0" cy="0"/>
+        </a:xfrm>
+      </p:grpSpPr>
+      <p:sp>
+        <p:nvSpPr>
+          <p:cNvPr id="2" name="Title 1">
+            <a:extLst>
+              <a:ext uri="{FF2B5EF4-FFF2-40B4-BE49-F238E27FC236}">
+                <a16:creationId xmlns:a16="http://schemas.microsoft.com/office/drawing/2014/main" id="{9DDDE6BA-9E55-BFBE-F57B-6BA059D71CB8}"/>
+              </a:ext>
+            </a:extLst>
+          </p:cNvPr>
+          <p:cNvSpPr>
+            <a:spLocks noGrp="1"/>
+          </p:cNvSpPr>
+          <p:nvPr>
+            <p:ph type="title"/>
+          </p:nvPr>
+        </p:nvSpPr>
+        <p:spPr/>
+        <p:txBody>
+          <a:bodyPr/>
+          <a:lstStyle/>
+          <a:p>
+            <a:r>
+              <a:rPr lang="en-US" dirty="0"/>
               <a:t>Loop functions</a:t>
             </a:r>
           </a:p>
@@ -7497,7 +7786,7 @@
     </p:spTree>
     <p:extLst>
       <p:ext uri="{BB962C8B-B14F-4D97-AF65-F5344CB8AC3E}">
-        <p14:creationId xmlns:p14="http://schemas.microsoft.com/office/powerpoint/2010/main" val="4268945086"/>
+        <p14:creationId xmlns:p14="http://schemas.microsoft.com/office/powerpoint/2010/main" val="216316732"/>
       </p:ext>
     </p:extLst>
   </p:cSld>

--- a/powerpoint/UNIQ+Day3_students.pptx
+++ b/powerpoint/UNIQ+Day3_students.pptx
@@ -120,7 +120,7 @@
 <file path=ppt/revisionInfo.xml><?xml version="1.0" encoding="utf-8"?>
 <p1510:revInfo xmlns:a="http://schemas.openxmlformats.org/drawingml/2006/main" xmlns:r="http://schemas.openxmlformats.org/officeDocument/2006/relationships" xmlns:p1510="http://schemas.microsoft.com/office/powerpoint/2015/10/main">
   <p1510:revLst>
-    <p1510:client id="{7108D880-8B32-DD41-95FF-2D994EE126A1}" v="22" dt="2023-07-07T05:15:44.995"/>
+    <p1510:client id="{7108D880-8B32-DD41-95FF-2D994EE126A1}" v="36" dt="2023-07-07T06:01:32.190"/>
   </p1510:revLst>
 </p1510:revInfo>
 </file>
@@ -6931,6 +6931,672 @@
                       </p:childTnLst>
                     </p:cTn>
                   </p:par>
+                  <p:par>
+                    <p:cTn id="11" fill="hold">
+                      <p:stCondLst>
+                        <p:cond delay="indefinite"/>
+                      </p:stCondLst>
+                      <p:childTnLst>
+                        <p:par>
+                          <p:cTn id="12" fill="hold">
+                            <p:stCondLst>
+                              <p:cond delay="0"/>
+                            </p:stCondLst>
+                            <p:childTnLst>
+                              <p:par>
+                                <p:cTn id="13" presetID="1" presetClass="entr" presetSubtype="0" fill="hold" grpId="0" nodeType="clickEffect">
+                                  <p:stCondLst>
+                                    <p:cond delay="0"/>
+                                  </p:stCondLst>
+                                  <p:childTnLst>
+                                    <p:set>
+                                      <p:cBhvr>
+                                        <p:cTn id="14" dur="1" fill="hold">
+                                          <p:stCondLst>
+                                            <p:cond delay="0"/>
+                                          </p:stCondLst>
+                                        </p:cTn>
+                                        <p:tgtEl>
+                                          <p:spTgt spid="55"/>
+                                        </p:tgtEl>
+                                        <p:attrNameLst>
+                                          <p:attrName>style.visibility</p:attrName>
+                                        </p:attrNameLst>
+                                      </p:cBhvr>
+                                      <p:to>
+                                        <p:strVal val="visible"/>
+                                      </p:to>
+                                    </p:set>
+                                  </p:childTnLst>
+                                </p:cTn>
+                              </p:par>
+                              <p:par>
+                                <p:cTn id="15" presetID="1" presetClass="entr" presetSubtype="0" fill="hold" grpId="0" nodeType="withEffect">
+                                  <p:stCondLst>
+                                    <p:cond delay="0"/>
+                                  </p:stCondLst>
+                                  <p:childTnLst>
+                                    <p:set>
+                                      <p:cBhvr>
+                                        <p:cTn id="16" dur="1" fill="hold">
+                                          <p:stCondLst>
+                                            <p:cond delay="0"/>
+                                          </p:stCondLst>
+                                        </p:cTn>
+                                        <p:tgtEl>
+                                          <p:spTgt spid="56"/>
+                                        </p:tgtEl>
+                                        <p:attrNameLst>
+                                          <p:attrName>style.visibility</p:attrName>
+                                        </p:attrNameLst>
+                                      </p:cBhvr>
+                                      <p:to>
+                                        <p:strVal val="visible"/>
+                                      </p:to>
+                                    </p:set>
+                                  </p:childTnLst>
+                                </p:cTn>
+                              </p:par>
+                              <p:par>
+                                <p:cTn id="17" presetID="1" presetClass="entr" presetSubtype="0" fill="hold" grpId="0" nodeType="withEffect">
+                                  <p:stCondLst>
+                                    <p:cond delay="0"/>
+                                  </p:stCondLst>
+                                  <p:childTnLst>
+                                    <p:set>
+                                      <p:cBhvr>
+                                        <p:cTn id="18" dur="1" fill="hold">
+                                          <p:stCondLst>
+                                            <p:cond delay="0"/>
+                                          </p:stCondLst>
+                                        </p:cTn>
+                                        <p:tgtEl>
+                                          <p:spTgt spid="57"/>
+                                        </p:tgtEl>
+                                        <p:attrNameLst>
+                                          <p:attrName>style.visibility</p:attrName>
+                                        </p:attrNameLst>
+                                      </p:cBhvr>
+                                      <p:to>
+                                        <p:strVal val="visible"/>
+                                      </p:to>
+                                    </p:set>
+                                  </p:childTnLst>
+                                </p:cTn>
+                              </p:par>
+                              <p:par>
+                                <p:cTn id="19" presetID="1" presetClass="entr" presetSubtype="0" fill="hold" grpId="0" nodeType="withEffect">
+                                  <p:stCondLst>
+                                    <p:cond delay="0"/>
+                                  </p:stCondLst>
+                                  <p:childTnLst>
+                                    <p:set>
+                                      <p:cBhvr>
+                                        <p:cTn id="20" dur="1" fill="hold">
+                                          <p:stCondLst>
+                                            <p:cond delay="0"/>
+                                          </p:stCondLst>
+                                        </p:cTn>
+                                        <p:tgtEl>
+                                          <p:spTgt spid="60"/>
+                                        </p:tgtEl>
+                                        <p:attrNameLst>
+                                          <p:attrName>style.visibility</p:attrName>
+                                        </p:attrNameLst>
+                                      </p:cBhvr>
+                                      <p:to>
+                                        <p:strVal val="visible"/>
+                                      </p:to>
+                                    </p:set>
+                                  </p:childTnLst>
+                                </p:cTn>
+                              </p:par>
+                              <p:par>
+                                <p:cTn id="21" presetID="1" presetClass="entr" presetSubtype="0" fill="hold" grpId="0" nodeType="withEffect">
+                                  <p:stCondLst>
+                                    <p:cond delay="0"/>
+                                  </p:stCondLst>
+                                  <p:childTnLst>
+                                    <p:set>
+                                      <p:cBhvr>
+                                        <p:cTn id="22" dur="1" fill="hold">
+                                          <p:stCondLst>
+                                            <p:cond delay="0"/>
+                                          </p:stCondLst>
+                                        </p:cTn>
+                                        <p:tgtEl>
+                                          <p:spTgt spid="61"/>
+                                        </p:tgtEl>
+                                        <p:attrNameLst>
+                                          <p:attrName>style.visibility</p:attrName>
+                                        </p:attrNameLst>
+                                      </p:cBhvr>
+                                      <p:to>
+                                        <p:strVal val="visible"/>
+                                      </p:to>
+                                    </p:set>
+                                  </p:childTnLst>
+                                </p:cTn>
+                              </p:par>
+                              <p:par>
+                                <p:cTn id="23" presetID="1" presetClass="entr" presetSubtype="0" fill="hold" grpId="0" nodeType="withEffect">
+                                  <p:stCondLst>
+                                    <p:cond delay="0"/>
+                                  </p:stCondLst>
+                                  <p:childTnLst>
+                                    <p:set>
+                                      <p:cBhvr>
+                                        <p:cTn id="24" dur="1" fill="hold">
+                                          <p:stCondLst>
+                                            <p:cond delay="0"/>
+                                          </p:stCondLst>
+                                        </p:cTn>
+                                        <p:tgtEl>
+                                          <p:spTgt spid="62"/>
+                                        </p:tgtEl>
+                                        <p:attrNameLst>
+                                          <p:attrName>style.visibility</p:attrName>
+                                        </p:attrNameLst>
+                                      </p:cBhvr>
+                                      <p:to>
+                                        <p:strVal val="visible"/>
+                                      </p:to>
+                                    </p:set>
+                                  </p:childTnLst>
+                                </p:cTn>
+                              </p:par>
+                              <p:par>
+                                <p:cTn id="25" presetID="1" presetClass="entr" presetSubtype="0" fill="hold" grpId="0" nodeType="withEffect">
+                                  <p:stCondLst>
+                                    <p:cond delay="0"/>
+                                  </p:stCondLst>
+                                  <p:childTnLst>
+                                    <p:set>
+                                      <p:cBhvr>
+                                        <p:cTn id="26" dur="1" fill="hold">
+                                          <p:stCondLst>
+                                            <p:cond delay="0"/>
+                                          </p:stCondLst>
+                                        </p:cTn>
+                                        <p:tgtEl>
+                                          <p:spTgt spid="63"/>
+                                        </p:tgtEl>
+                                        <p:attrNameLst>
+                                          <p:attrName>style.visibility</p:attrName>
+                                        </p:attrNameLst>
+                                      </p:cBhvr>
+                                      <p:to>
+                                        <p:strVal val="visible"/>
+                                      </p:to>
+                                    </p:set>
+                                  </p:childTnLst>
+                                </p:cTn>
+                              </p:par>
+                              <p:par>
+                                <p:cTn id="27" presetID="1" presetClass="entr" presetSubtype="0" fill="hold" grpId="0" nodeType="withEffect">
+                                  <p:stCondLst>
+                                    <p:cond delay="0"/>
+                                  </p:stCondLst>
+                                  <p:childTnLst>
+                                    <p:set>
+                                      <p:cBhvr>
+                                        <p:cTn id="28" dur="1" fill="hold">
+                                          <p:stCondLst>
+                                            <p:cond delay="0"/>
+                                          </p:stCondLst>
+                                        </p:cTn>
+                                        <p:tgtEl>
+                                          <p:spTgt spid="64"/>
+                                        </p:tgtEl>
+                                        <p:attrNameLst>
+                                          <p:attrName>style.visibility</p:attrName>
+                                        </p:attrNameLst>
+                                      </p:cBhvr>
+                                      <p:to>
+                                        <p:strVal val="visible"/>
+                                      </p:to>
+                                    </p:set>
+                                  </p:childTnLst>
+                                </p:cTn>
+                              </p:par>
+                              <p:par>
+                                <p:cTn id="29" presetID="1" presetClass="entr" presetSubtype="0" fill="hold" grpId="0" nodeType="withEffect">
+                                  <p:stCondLst>
+                                    <p:cond delay="0"/>
+                                  </p:stCondLst>
+                                  <p:childTnLst>
+                                    <p:set>
+                                      <p:cBhvr>
+                                        <p:cTn id="30" dur="1" fill="hold">
+                                          <p:stCondLst>
+                                            <p:cond delay="0"/>
+                                          </p:stCondLst>
+                                        </p:cTn>
+                                        <p:tgtEl>
+                                          <p:spTgt spid="65"/>
+                                        </p:tgtEl>
+                                        <p:attrNameLst>
+                                          <p:attrName>style.visibility</p:attrName>
+                                        </p:attrNameLst>
+                                      </p:cBhvr>
+                                      <p:to>
+                                        <p:strVal val="visible"/>
+                                      </p:to>
+                                    </p:set>
+                                  </p:childTnLst>
+                                </p:cTn>
+                              </p:par>
+                              <p:par>
+                                <p:cTn id="31" presetID="1" presetClass="entr" presetSubtype="0" fill="hold" grpId="0" nodeType="withEffect">
+                                  <p:stCondLst>
+                                    <p:cond delay="0"/>
+                                  </p:stCondLst>
+                                  <p:childTnLst>
+                                    <p:set>
+                                      <p:cBhvr>
+                                        <p:cTn id="32" dur="1" fill="hold">
+                                          <p:stCondLst>
+                                            <p:cond delay="0"/>
+                                          </p:stCondLst>
+                                        </p:cTn>
+                                        <p:tgtEl>
+                                          <p:spTgt spid="66"/>
+                                        </p:tgtEl>
+                                        <p:attrNameLst>
+                                          <p:attrName>style.visibility</p:attrName>
+                                        </p:attrNameLst>
+                                      </p:cBhvr>
+                                      <p:to>
+                                        <p:strVal val="visible"/>
+                                      </p:to>
+                                    </p:set>
+                                  </p:childTnLst>
+                                </p:cTn>
+                              </p:par>
+                              <p:par>
+                                <p:cTn id="33" presetID="1" presetClass="entr" presetSubtype="0" fill="hold" grpId="0" nodeType="withEffect">
+                                  <p:stCondLst>
+                                    <p:cond delay="0"/>
+                                  </p:stCondLst>
+                                  <p:childTnLst>
+                                    <p:set>
+                                      <p:cBhvr>
+                                        <p:cTn id="34" dur="1" fill="hold">
+                                          <p:stCondLst>
+                                            <p:cond delay="0"/>
+                                          </p:stCondLst>
+                                        </p:cTn>
+                                        <p:tgtEl>
+                                          <p:spTgt spid="67"/>
+                                        </p:tgtEl>
+                                        <p:attrNameLst>
+                                          <p:attrName>style.visibility</p:attrName>
+                                        </p:attrNameLst>
+                                      </p:cBhvr>
+                                      <p:to>
+                                        <p:strVal val="visible"/>
+                                      </p:to>
+                                    </p:set>
+                                  </p:childTnLst>
+                                </p:cTn>
+                              </p:par>
+                              <p:par>
+                                <p:cTn id="35" presetID="1" presetClass="entr" presetSubtype="0" fill="hold" grpId="0" nodeType="withEffect">
+                                  <p:stCondLst>
+                                    <p:cond delay="0"/>
+                                  </p:stCondLst>
+                                  <p:childTnLst>
+                                    <p:set>
+                                      <p:cBhvr>
+                                        <p:cTn id="36" dur="1" fill="hold">
+                                          <p:stCondLst>
+                                            <p:cond delay="0"/>
+                                          </p:stCondLst>
+                                        </p:cTn>
+                                        <p:tgtEl>
+                                          <p:spTgt spid="68"/>
+                                        </p:tgtEl>
+                                        <p:attrNameLst>
+                                          <p:attrName>style.visibility</p:attrName>
+                                        </p:attrNameLst>
+                                      </p:cBhvr>
+                                      <p:to>
+                                        <p:strVal val="visible"/>
+                                      </p:to>
+                                    </p:set>
+                                  </p:childTnLst>
+                                </p:cTn>
+                              </p:par>
+                              <p:par>
+                                <p:cTn id="37" presetID="1" presetClass="entr" presetSubtype="0" fill="hold" grpId="0" nodeType="withEffect">
+                                  <p:stCondLst>
+                                    <p:cond delay="0"/>
+                                  </p:stCondLst>
+                                  <p:childTnLst>
+                                    <p:set>
+                                      <p:cBhvr>
+                                        <p:cTn id="38" dur="1" fill="hold">
+                                          <p:stCondLst>
+                                            <p:cond delay="0"/>
+                                          </p:stCondLst>
+                                        </p:cTn>
+                                        <p:tgtEl>
+                                          <p:spTgt spid="69"/>
+                                        </p:tgtEl>
+                                        <p:attrNameLst>
+                                          <p:attrName>style.visibility</p:attrName>
+                                        </p:attrNameLst>
+                                      </p:cBhvr>
+                                      <p:to>
+                                        <p:strVal val="visible"/>
+                                      </p:to>
+                                    </p:set>
+                                  </p:childTnLst>
+                                </p:cTn>
+                              </p:par>
+                              <p:par>
+                                <p:cTn id="39" presetID="1" presetClass="entr" presetSubtype="0" fill="hold" grpId="0" nodeType="withEffect">
+                                  <p:stCondLst>
+                                    <p:cond delay="0"/>
+                                  </p:stCondLst>
+                                  <p:childTnLst>
+                                    <p:set>
+                                      <p:cBhvr>
+                                        <p:cTn id="40" dur="1" fill="hold">
+                                          <p:stCondLst>
+                                            <p:cond delay="0"/>
+                                          </p:stCondLst>
+                                        </p:cTn>
+                                        <p:tgtEl>
+                                          <p:spTgt spid="70"/>
+                                        </p:tgtEl>
+                                        <p:attrNameLst>
+                                          <p:attrName>style.visibility</p:attrName>
+                                        </p:attrNameLst>
+                                      </p:cBhvr>
+                                      <p:to>
+                                        <p:strVal val="visible"/>
+                                      </p:to>
+                                    </p:set>
+                                  </p:childTnLst>
+                                </p:cTn>
+                              </p:par>
+                              <p:par>
+                                <p:cTn id="41" presetID="1" presetClass="entr" presetSubtype="0" fill="hold" grpId="0" nodeType="withEffect">
+                                  <p:stCondLst>
+                                    <p:cond delay="0"/>
+                                  </p:stCondLst>
+                                  <p:childTnLst>
+                                    <p:set>
+                                      <p:cBhvr>
+                                        <p:cTn id="42" dur="1" fill="hold">
+                                          <p:stCondLst>
+                                            <p:cond delay="0"/>
+                                          </p:stCondLst>
+                                        </p:cTn>
+                                        <p:tgtEl>
+                                          <p:spTgt spid="71"/>
+                                        </p:tgtEl>
+                                        <p:attrNameLst>
+                                          <p:attrName>style.visibility</p:attrName>
+                                        </p:attrNameLst>
+                                      </p:cBhvr>
+                                      <p:to>
+                                        <p:strVal val="visible"/>
+                                      </p:to>
+                                    </p:set>
+                                  </p:childTnLst>
+                                </p:cTn>
+                              </p:par>
+                              <p:par>
+                                <p:cTn id="43" presetID="1" presetClass="entr" presetSubtype="0" fill="hold" grpId="0" nodeType="withEffect">
+                                  <p:stCondLst>
+                                    <p:cond delay="0"/>
+                                  </p:stCondLst>
+                                  <p:childTnLst>
+                                    <p:set>
+                                      <p:cBhvr>
+                                        <p:cTn id="44" dur="1" fill="hold">
+                                          <p:stCondLst>
+                                            <p:cond delay="0"/>
+                                          </p:stCondLst>
+                                        </p:cTn>
+                                        <p:tgtEl>
+                                          <p:spTgt spid="72"/>
+                                        </p:tgtEl>
+                                        <p:attrNameLst>
+                                          <p:attrName>style.visibility</p:attrName>
+                                        </p:attrNameLst>
+                                      </p:cBhvr>
+                                      <p:to>
+                                        <p:strVal val="visible"/>
+                                      </p:to>
+                                    </p:set>
+                                  </p:childTnLst>
+                                </p:cTn>
+                              </p:par>
+                              <p:par>
+                                <p:cTn id="45" presetID="1" presetClass="entr" presetSubtype="0" fill="hold" grpId="0" nodeType="withEffect">
+                                  <p:stCondLst>
+                                    <p:cond delay="0"/>
+                                  </p:stCondLst>
+                                  <p:childTnLst>
+                                    <p:set>
+                                      <p:cBhvr>
+                                        <p:cTn id="46" dur="1" fill="hold">
+                                          <p:stCondLst>
+                                            <p:cond delay="0"/>
+                                          </p:stCondLst>
+                                        </p:cTn>
+                                        <p:tgtEl>
+                                          <p:spTgt spid="73"/>
+                                        </p:tgtEl>
+                                        <p:attrNameLst>
+                                          <p:attrName>style.visibility</p:attrName>
+                                        </p:attrNameLst>
+                                      </p:cBhvr>
+                                      <p:to>
+                                        <p:strVal val="visible"/>
+                                      </p:to>
+                                    </p:set>
+                                  </p:childTnLst>
+                                </p:cTn>
+                              </p:par>
+                              <p:par>
+                                <p:cTn id="47" presetID="1" presetClass="entr" presetSubtype="0" fill="hold" grpId="0" nodeType="withEffect">
+                                  <p:stCondLst>
+                                    <p:cond delay="0"/>
+                                  </p:stCondLst>
+                                  <p:childTnLst>
+                                    <p:set>
+                                      <p:cBhvr>
+                                        <p:cTn id="48" dur="1" fill="hold">
+                                          <p:stCondLst>
+                                            <p:cond delay="0"/>
+                                          </p:stCondLst>
+                                        </p:cTn>
+                                        <p:tgtEl>
+                                          <p:spTgt spid="74"/>
+                                        </p:tgtEl>
+                                        <p:attrNameLst>
+                                          <p:attrName>style.visibility</p:attrName>
+                                        </p:attrNameLst>
+                                      </p:cBhvr>
+                                      <p:to>
+                                        <p:strVal val="visible"/>
+                                      </p:to>
+                                    </p:set>
+                                  </p:childTnLst>
+                                </p:cTn>
+                              </p:par>
+                              <p:par>
+                                <p:cTn id="49" presetID="1" presetClass="entr" presetSubtype="0" fill="hold" grpId="0" nodeType="withEffect">
+                                  <p:stCondLst>
+                                    <p:cond delay="0"/>
+                                  </p:stCondLst>
+                                  <p:childTnLst>
+                                    <p:set>
+                                      <p:cBhvr>
+                                        <p:cTn id="50" dur="1" fill="hold">
+                                          <p:stCondLst>
+                                            <p:cond delay="0"/>
+                                          </p:stCondLst>
+                                        </p:cTn>
+                                        <p:tgtEl>
+                                          <p:spTgt spid="75"/>
+                                        </p:tgtEl>
+                                        <p:attrNameLst>
+                                          <p:attrName>style.visibility</p:attrName>
+                                        </p:attrNameLst>
+                                      </p:cBhvr>
+                                      <p:to>
+                                        <p:strVal val="visible"/>
+                                      </p:to>
+                                    </p:set>
+                                  </p:childTnLst>
+                                </p:cTn>
+                              </p:par>
+                              <p:par>
+                                <p:cTn id="51" presetID="1" presetClass="entr" presetSubtype="0" fill="hold" grpId="0" nodeType="withEffect">
+                                  <p:stCondLst>
+                                    <p:cond delay="0"/>
+                                  </p:stCondLst>
+                                  <p:childTnLst>
+                                    <p:set>
+                                      <p:cBhvr>
+                                        <p:cTn id="52" dur="1" fill="hold">
+                                          <p:stCondLst>
+                                            <p:cond delay="0"/>
+                                          </p:stCondLst>
+                                        </p:cTn>
+                                        <p:tgtEl>
+                                          <p:spTgt spid="76"/>
+                                        </p:tgtEl>
+                                        <p:attrNameLst>
+                                          <p:attrName>style.visibility</p:attrName>
+                                        </p:attrNameLst>
+                                      </p:cBhvr>
+                                      <p:to>
+                                        <p:strVal val="visible"/>
+                                      </p:to>
+                                    </p:set>
+                                  </p:childTnLst>
+                                </p:cTn>
+                              </p:par>
+                              <p:par>
+                                <p:cTn id="53" presetID="1" presetClass="entr" presetSubtype="0" fill="hold" nodeType="withEffect">
+                                  <p:stCondLst>
+                                    <p:cond delay="0"/>
+                                  </p:stCondLst>
+                                  <p:childTnLst>
+                                    <p:set>
+                                      <p:cBhvr>
+                                        <p:cTn id="54" dur="1" fill="hold">
+                                          <p:stCondLst>
+                                            <p:cond delay="0"/>
+                                          </p:stCondLst>
+                                        </p:cTn>
+                                        <p:tgtEl>
+                                          <p:spTgt spid="78"/>
+                                        </p:tgtEl>
+                                        <p:attrNameLst>
+                                          <p:attrName>style.visibility</p:attrName>
+                                        </p:attrNameLst>
+                                      </p:cBhvr>
+                                      <p:to>
+                                        <p:strVal val="visible"/>
+                                      </p:to>
+                                    </p:set>
+                                  </p:childTnLst>
+                                </p:cTn>
+                              </p:par>
+                              <p:par>
+                                <p:cTn id="55" presetID="1" presetClass="entr" presetSubtype="0" fill="hold" nodeType="withEffect">
+                                  <p:stCondLst>
+                                    <p:cond delay="0"/>
+                                  </p:stCondLst>
+                                  <p:childTnLst>
+                                    <p:set>
+                                      <p:cBhvr>
+                                        <p:cTn id="56" dur="1" fill="hold">
+                                          <p:stCondLst>
+                                            <p:cond delay="0"/>
+                                          </p:stCondLst>
+                                        </p:cTn>
+                                        <p:tgtEl>
+                                          <p:spTgt spid="79"/>
+                                        </p:tgtEl>
+                                        <p:attrNameLst>
+                                          <p:attrName>style.visibility</p:attrName>
+                                        </p:attrNameLst>
+                                      </p:cBhvr>
+                                      <p:to>
+                                        <p:strVal val="visible"/>
+                                      </p:to>
+                                    </p:set>
+                                  </p:childTnLst>
+                                </p:cTn>
+                              </p:par>
+                              <p:par>
+                                <p:cTn id="57" presetID="1" presetClass="entr" presetSubtype="0" fill="hold" nodeType="withEffect">
+                                  <p:stCondLst>
+                                    <p:cond delay="0"/>
+                                  </p:stCondLst>
+                                  <p:childTnLst>
+                                    <p:set>
+                                      <p:cBhvr>
+                                        <p:cTn id="58" dur="1" fill="hold">
+                                          <p:stCondLst>
+                                            <p:cond delay="0"/>
+                                          </p:stCondLst>
+                                        </p:cTn>
+                                        <p:tgtEl>
+                                          <p:spTgt spid="82"/>
+                                        </p:tgtEl>
+                                        <p:attrNameLst>
+                                          <p:attrName>style.visibility</p:attrName>
+                                        </p:attrNameLst>
+                                      </p:cBhvr>
+                                      <p:to>
+                                        <p:strVal val="visible"/>
+                                      </p:to>
+                                    </p:set>
+                                  </p:childTnLst>
+                                </p:cTn>
+                              </p:par>
+                              <p:par>
+                                <p:cTn id="59" presetID="1" presetClass="entr" presetSubtype="0" fill="hold" nodeType="withEffect">
+                                  <p:stCondLst>
+                                    <p:cond delay="0"/>
+                                  </p:stCondLst>
+                                  <p:childTnLst>
+                                    <p:set>
+                                      <p:cBhvr>
+                                        <p:cTn id="60" dur="1" fill="hold">
+                                          <p:stCondLst>
+                                            <p:cond delay="0"/>
+                                          </p:stCondLst>
+                                        </p:cTn>
+                                        <p:tgtEl>
+                                          <p:spTgt spid="85"/>
+                                        </p:tgtEl>
+                                        <p:attrNameLst>
+                                          <p:attrName>style.visibility</p:attrName>
+                                        </p:attrNameLst>
+                                      </p:cBhvr>
+                                      <p:to>
+                                        <p:strVal val="visible"/>
+                                      </p:to>
+                                    </p:set>
+                                  </p:childTnLst>
+                                </p:cTn>
+                              </p:par>
+                            </p:childTnLst>
+                          </p:cTn>
+                        </p:par>
+                      </p:childTnLst>
+                    </p:cTn>
+                  </p:par>
                 </p:childTnLst>
               </p:cTn>
               <p:prevCondLst>
@@ -6952,6 +7618,28 @@
         </p:cTn>
       </p:par>
     </p:tnLst>
+    <p:bldLst>
+      <p:bldP spid="55" grpId="0" animBg="1"/>
+      <p:bldP spid="56" grpId="0" animBg="1"/>
+      <p:bldP spid="57" grpId="0" animBg="1"/>
+      <p:bldP spid="60" grpId="0" animBg="1"/>
+      <p:bldP spid="61" grpId="0" animBg="1"/>
+      <p:bldP spid="62" grpId="0" animBg="1"/>
+      <p:bldP spid="63" grpId="0" animBg="1"/>
+      <p:bldP spid="64" grpId="0" animBg="1"/>
+      <p:bldP spid="65" grpId="0" animBg="1"/>
+      <p:bldP spid="66" grpId="0" animBg="1"/>
+      <p:bldP spid="67" grpId="0" animBg="1"/>
+      <p:bldP spid="68" grpId="0" animBg="1"/>
+      <p:bldP spid="69" grpId="0" animBg="1"/>
+      <p:bldP spid="70" grpId="0" animBg="1"/>
+      <p:bldP spid="71" grpId="0" animBg="1"/>
+      <p:bldP spid="72" grpId="0" animBg="1"/>
+      <p:bldP spid="73" grpId="0" animBg="1"/>
+      <p:bldP spid="74" grpId="0" animBg="1"/>
+      <p:bldP spid="75" grpId="0" animBg="1"/>
+      <p:bldP spid="76" grpId="0" animBg="1"/>
+    </p:bldLst>
   </p:timing>
 </p:sld>
 </file>
@@ -7424,8 +8112,19 @@
                 </a:highlight>
                 <a:latin typeface="Calibri" panose="020F0502020204030204" pitchFamily="34" charset="0"/>
                 <a:cs typeface="Calibri" panose="020F0502020204030204" pitchFamily="34" charset="0"/>
+                <a:hlinkClick r:id="rId2"/>
               </a:rPr>
-              <a:t>Best songs on Spotify (</a:t>
+              <a:t>Best songs on Spotify </a:t>
+            </a:r>
+            <a:r>
+              <a:rPr lang="en-US" dirty="0">
+                <a:highlight>
+                  <a:srgbClr val="00FF00"/>
+                </a:highlight>
+                <a:latin typeface="Calibri" panose="020F0502020204030204" pitchFamily="34" charset="0"/>
+                <a:cs typeface="Calibri" panose="020F0502020204030204" pitchFamily="34" charset="0"/>
+              </a:rPr>
+              <a:t>(</a:t>
             </a:r>
             <a:r>
               <a:rPr lang="en-US" dirty="0" err="1">
@@ -7456,8 +8155,19 @@
                 </a:highlight>
                 <a:latin typeface="Calibri" panose="020F0502020204030204" pitchFamily="34" charset="0"/>
                 <a:cs typeface="Calibri" panose="020F0502020204030204" pitchFamily="34" charset="0"/>
+                <a:hlinkClick r:id="rId3"/>
               </a:rPr>
-              <a:t>Student mental health (</a:t>
+              <a:t>Student mental health</a:t>
+            </a:r>
+            <a:r>
+              <a:rPr lang="en-US" dirty="0">
+                <a:highlight>
+                  <a:srgbClr val="00FF00"/>
+                </a:highlight>
+                <a:latin typeface="Calibri" panose="020F0502020204030204" pitchFamily="34" charset="0"/>
+                <a:cs typeface="Calibri" panose="020F0502020204030204" pitchFamily="34" charset="0"/>
+              </a:rPr>
+              <a:t> (</a:t>
             </a:r>
             <a:r>
               <a:rPr lang="en-US" dirty="0" err="1">
@@ -7488,8 +8198,19 @@
                 </a:highlight>
                 <a:latin typeface="Calibri" panose="020F0502020204030204" pitchFamily="34" charset="0"/>
                 <a:cs typeface="Calibri" panose="020F0502020204030204" pitchFamily="34" charset="0"/>
+                <a:hlinkClick r:id="rId4"/>
               </a:rPr>
-              <a:t>Diabetes (</a:t>
+              <a:t>Diabetes</a:t>
+            </a:r>
+            <a:r>
+              <a:rPr lang="en-US" dirty="0">
+                <a:highlight>
+                  <a:srgbClr val="00FF00"/>
+                </a:highlight>
+                <a:latin typeface="Calibri" panose="020F0502020204030204" pitchFamily="34" charset="0"/>
+                <a:cs typeface="Calibri" panose="020F0502020204030204" pitchFamily="34" charset="0"/>
+              </a:rPr>
+              <a:t> (</a:t>
             </a:r>
             <a:r>
               <a:rPr lang="en-US" dirty="0" err="1">
@@ -7526,9 +8247,17 @@
                 </a:highlight>
                 <a:latin typeface="Calibri" panose="020F0502020204030204" pitchFamily="34" charset="0"/>
                 <a:cs typeface="Calibri" panose="020F0502020204030204" pitchFamily="34" charset="0"/>
+                <a:hlinkClick r:id="rId5"/>
               </a:rPr>
               <a:t>US births</a:t>
             </a:r>
+            <a:endParaRPr lang="en-US" dirty="0">
+              <a:highlight>
+                <a:srgbClr val="00FFFF"/>
+              </a:highlight>
+              <a:latin typeface="Calibri" panose="020F0502020204030204" pitchFamily="34" charset="0"/>
+              <a:cs typeface="Calibri" panose="020F0502020204030204" pitchFamily="34" charset="0"/>
+            </a:endParaRPr>
           </a:p>
           <a:p>
             <a:r>
@@ -7538,9 +8267,17 @@
                 </a:highlight>
                 <a:latin typeface="Calibri" panose="020F0502020204030204" pitchFamily="34" charset="0"/>
                 <a:cs typeface="Calibri" panose="020F0502020204030204" pitchFamily="34" charset="0"/>
+                <a:hlinkClick r:id="rId6"/>
               </a:rPr>
               <a:t>Glass Door Gender Pay</a:t>
             </a:r>
+            <a:endParaRPr lang="en-US" dirty="0">
+              <a:highlight>
+                <a:srgbClr val="00FFFF"/>
+              </a:highlight>
+              <a:latin typeface="Calibri" panose="020F0502020204030204" pitchFamily="34" charset="0"/>
+              <a:cs typeface="Calibri" panose="020F0502020204030204" pitchFamily="34" charset="0"/>
+            </a:endParaRPr>
           </a:p>
           <a:p>
             <a:r>
@@ -7550,9 +8287,17 @@
                 </a:highlight>
                 <a:latin typeface="Calibri" panose="020F0502020204030204" pitchFamily="34" charset="0"/>
                 <a:cs typeface="Calibri" panose="020F0502020204030204" pitchFamily="34" charset="0"/>
+                <a:hlinkClick r:id="rId7"/>
               </a:rPr>
               <a:t>WHO Life Expectancy</a:t>
             </a:r>
+            <a:endParaRPr lang="en-US" dirty="0">
+              <a:highlight>
+                <a:srgbClr val="00FFFF"/>
+              </a:highlight>
+              <a:latin typeface="Calibri" panose="020F0502020204030204" pitchFamily="34" charset="0"/>
+              <a:cs typeface="Calibri" panose="020F0502020204030204" pitchFamily="34" charset="0"/>
+            </a:endParaRPr>
           </a:p>
           <a:p>
             <a:endParaRPr lang="en-US" dirty="0">
@@ -7561,6 +8306,17 @@
             </a:endParaRPr>
           </a:p>
           <a:p>
+            <a:r>
+              <a:rPr lang="en-US" dirty="0">
+                <a:highlight>
+                  <a:srgbClr val="FF00FF"/>
+                </a:highlight>
+                <a:latin typeface="Calibri" panose="020F0502020204030204" pitchFamily="34" charset="0"/>
+                <a:cs typeface="Calibri" panose="020F0502020204030204" pitchFamily="34" charset="0"/>
+                <a:hlinkClick r:id="rId8"/>
+              </a:rPr>
+              <a:t>UFO sightings </a:t>
+            </a:r>
             <a:r>
               <a:rPr lang="en-US" dirty="0">
                 <a:highlight>
@@ -7569,7 +8325,7 @@
                 <a:latin typeface="Calibri" panose="020F0502020204030204" pitchFamily="34" charset="0"/>
                 <a:cs typeface="Calibri" panose="020F0502020204030204" pitchFamily="34" charset="0"/>
               </a:rPr>
-              <a:t>UFO sightings (Excel file – either save as .csv in Excel an then load into R, or load the Excel file directly into R using the </a:t>
+              <a:t>(Excel file – either save as .csv in Excel an then load into R, or load the Excel file directly into R using the </a:t>
             </a:r>
             <a:r>
               <a:rPr lang="en-US" dirty="0" err="1">
@@ -7600,11 +8356,10 @@
                 </a:highlight>
                 <a:latin typeface="Calibri" panose="020F0502020204030204" pitchFamily="34" charset="0"/>
                 <a:cs typeface="Calibri" panose="020F0502020204030204" pitchFamily="34" charset="0"/>
+                <a:hlinkClick r:id="rId9"/>
               </a:rPr>
-              <a:t>Bladder cancer (3 files)</a:t>
-            </a:r>
-          </a:p>
-          <a:p>
+              <a:t>Bladder cancer </a:t>
+            </a:r>
             <a:r>
               <a:rPr lang="en-US" dirty="0">
                 <a:highlight>
@@ -7613,7 +8368,30 @@
                 <a:latin typeface="Calibri" panose="020F0502020204030204" pitchFamily="34" charset="0"/>
                 <a:cs typeface="Calibri" panose="020F0502020204030204" pitchFamily="34" charset="0"/>
               </a:rPr>
-              <a:t>Fitbit (2 files)</a:t>
+              <a:t>(3 files)</a:t>
+            </a:r>
+          </a:p>
+          <a:p>
+            <a:r>
+              <a:rPr lang="en-US" dirty="0">
+                <a:highlight>
+                  <a:srgbClr val="FF00FF"/>
+                </a:highlight>
+                <a:latin typeface="Calibri" panose="020F0502020204030204" pitchFamily="34" charset="0"/>
+                <a:cs typeface="Calibri" panose="020F0502020204030204" pitchFamily="34" charset="0"/>
+                <a:hlinkClick r:id="rId10"/>
+              </a:rPr>
+              <a:t>Fitbit</a:t>
+            </a:r>
+            <a:r>
+              <a:rPr lang="en-US" dirty="0">
+                <a:highlight>
+                  <a:srgbClr val="FF00FF"/>
+                </a:highlight>
+                <a:latin typeface="Calibri" panose="020F0502020204030204" pitchFamily="34" charset="0"/>
+                <a:cs typeface="Calibri" panose="020F0502020204030204" pitchFamily="34" charset="0"/>
+              </a:rPr>
+              <a:t> (2 files)</a:t>
             </a:r>
           </a:p>
           <a:p>
